--- a/Fremlæggelse/Fremlæggelse - HWdel.pptx
+++ b/Fremlæggelse/Fremlæggelse - HWdel.pptx
@@ -16,6 +16,7 @@
     <p:sldId id="267" r:id="rId10"/>
     <p:sldId id="263" r:id="rId11"/>
     <p:sldId id="266" r:id="rId12"/>
+    <p:sldId id="268" r:id="rId13"/>
   </p:sldIdLst>
   <p:sldSz cx="12192000" cy="6858000"/>
   <p:notesSz cx="6858000" cy="9144000"/>
@@ -114,6 +115,11 @@
       </a:defRPr>
     </a:lvl9pPr>
   </p:defaultTextStyle>
+  <p:extLst>
+    <p:ext uri="{EFAFB233-063F-42B5-8137-9DF3F51BA10A}">
+      <p15:sldGuideLst xmlns:p15="http://schemas.microsoft.com/office/powerpoint/2012/main"/>
+    </p:ext>
+  </p:extLst>
 </p:presentation>
 </file>
 
@@ -3368,6 +3374,86 @@
 </p:sld>
 </file>
 
+<file path=ppt/slides/slide12.xml><?xml version="1.0" encoding="utf-8"?>
+<p:sld xmlns:a="http://schemas.openxmlformats.org/drawingml/2006/main" xmlns:r="http://schemas.openxmlformats.org/officeDocument/2006/relationships" xmlns:p="http://schemas.openxmlformats.org/presentationml/2006/main">
+  <p:cSld>
+    <p:spTree>
+      <p:nvGrpSpPr>
+        <p:cNvPr id="1" name=""/>
+        <p:cNvGrpSpPr/>
+        <p:nvPr/>
+      </p:nvGrpSpPr>
+      <p:grpSpPr>
+        <a:xfrm>
+          <a:off x="0" y="0"/>
+          <a:ext cx="0" cy="0"/>
+          <a:chOff x="0" y="0"/>
+          <a:chExt cx="0" cy="0"/>
+        </a:xfrm>
+      </p:grpSpPr>
+      <p:sp>
+        <p:nvSpPr>
+          <p:cNvPr id="2" name="Titel 1"/>
+          <p:cNvSpPr>
+            <a:spLocks noGrp="1"/>
+          </p:cNvSpPr>
+          <p:nvPr>
+            <p:ph type="title"/>
+          </p:nvPr>
+        </p:nvSpPr>
+        <p:spPr/>
+        <p:txBody>
+          <a:bodyPr/>
+          <a:lstStyle/>
+          <a:p>
+            <a:r>
+              <a:rPr lang="da-DK" dirty="0" smtClean="0"/>
+              <a:t>Evt. noget 2. ordens </a:t>
+            </a:r>
+            <a:r>
+              <a:rPr lang="da-DK" dirty="0" err="1" smtClean="0"/>
+              <a:t>højpasfilter</a:t>
+            </a:r>
+            <a:r>
+              <a:rPr lang="da-DK" dirty="0" smtClean="0"/>
+              <a:t>?</a:t>
+            </a:r>
+            <a:endParaRPr lang="da-DK" dirty="0"/>
+          </a:p>
+        </p:txBody>
+      </p:sp>
+      <p:sp>
+        <p:nvSpPr>
+          <p:cNvPr id="6" name="Pladsholder til indhold 5"/>
+          <p:cNvSpPr>
+            <a:spLocks noGrp="1"/>
+          </p:cNvSpPr>
+          <p:nvPr>
+            <p:ph idx="1"/>
+          </p:nvPr>
+        </p:nvSpPr>
+        <p:spPr/>
+        <p:txBody>
+          <a:bodyPr/>
+          <a:lstStyle/>
+          <a:p>
+            <a:endParaRPr lang="da-DK"/>
+          </a:p>
+        </p:txBody>
+      </p:sp>
+    </p:spTree>
+    <p:extLst>
+      <p:ext uri="{BB962C8B-B14F-4D97-AF65-F5344CB8AC3E}">
+        <p14:creationId xmlns:p14="http://schemas.microsoft.com/office/powerpoint/2010/main" val="3503656408"/>
+      </p:ext>
+    </p:extLst>
+  </p:cSld>
+  <p:clrMapOvr>
+    <a:masterClrMapping/>
+  </p:clrMapOvr>
+</p:sld>
+</file>
+
 <file path=ppt/slides/slide2.xml><?xml version="1.0" encoding="utf-8"?>
 <p:sld xmlns:a="http://schemas.openxmlformats.org/drawingml/2006/main" xmlns:r="http://schemas.openxmlformats.org/officeDocument/2006/relationships" xmlns:p="http://schemas.openxmlformats.org/presentationml/2006/main">
   <p:cSld>

--- a/Fremlæggelse/Fremlæggelse - HWdel.pptx
+++ b/Fremlæggelse/Fremlæggelse - HWdel.pptx
@@ -296,7 +296,7 @@
           <a:p>
             <a:fld id="{0C5E5CFE-7DCC-48C7-B7CB-67CD8A2C1B9A}" type="slidenum">
               <a:rPr lang="da-DK" smtClean="0"/>
-              <a:t>‹nr.›</a:t>
+              <a:t>‹#›</a:t>
             </a:fld>
             <a:endParaRPr lang="da-DK"/>
           </a:p>
@@ -466,7 +466,7 @@
           <a:p>
             <a:fld id="{0C5E5CFE-7DCC-48C7-B7CB-67CD8A2C1B9A}" type="slidenum">
               <a:rPr lang="da-DK" smtClean="0"/>
-              <a:t>‹nr.›</a:t>
+              <a:t>‹#›</a:t>
             </a:fld>
             <a:endParaRPr lang="da-DK"/>
           </a:p>
@@ -646,7 +646,7 @@
           <a:p>
             <a:fld id="{0C5E5CFE-7DCC-48C7-B7CB-67CD8A2C1B9A}" type="slidenum">
               <a:rPr lang="da-DK" smtClean="0"/>
-              <a:t>‹nr.›</a:t>
+              <a:t>‹#›</a:t>
             </a:fld>
             <a:endParaRPr lang="da-DK"/>
           </a:p>
@@ -816,7 +816,7 @@
           <a:p>
             <a:fld id="{0C5E5CFE-7DCC-48C7-B7CB-67CD8A2C1B9A}" type="slidenum">
               <a:rPr lang="da-DK" smtClean="0"/>
-              <a:t>‹nr.›</a:t>
+              <a:t>‹#›</a:t>
             </a:fld>
             <a:endParaRPr lang="da-DK"/>
           </a:p>
@@ -1062,7 +1062,7 @@
           <a:p>
             <a:fld id="{0C5E5CFE-7DCC-48C7-B7CB-67CD8A2C1B9A}" type="slidenum">
               <a:rPr lang="da-DK" smtClean="0"/>
-              <a:t>‹nr.›</a:t>
+              <a:t>‹#›</a:t>
             </a:fld>
             <a:endParaRPr lang="da-DK"/>
           </a:p>
@@ -1294,7 +1294,7 @@
           <a:p>
             <a:fld id="{0C5E5CFE-7DCC-48C7-B7CB-67CD8A2C1B9A}" type="slidenum">
               <a:rPr lang="da-DK" smtClean="0"/>
-              <a:t>‹nr.›</a:t>
+              <a:t>‹#›</a:t>
             </a:fld>
             <a:endParaRPr lang="da-DK"/>
           </a:p>
@@ -1661,7 +1661,7 @@
           <a:p>
             <a:fld id="{0C5E5CFE-7DCC-48C7-B7CB-67CD8A2C1B9A}" type="slidenum">
               <a:rPr lang="da-DK" smtClean="0"/>
-              <a:t>‹nr.›</a:t>
+              <a:t>‹#›</a:t>
             </a:fld>
             <a:endParaRPr lang="da-DK"/>
           </a:p>
@@ -1779,7 +1779,7 @@
           <a:p>
             <a:fld id="{0C5E5CFE-7DCC-48C7-B7CB-67CD8A2C1B9A}" type="slidenum">
               <a:rPr lang="da-DK" smtClean="0"/>
-              <a:t>‹nr.›</a:t>
+              <a:t>‹#›</a:t>
             </a:fld>
             <a:endParaRPr lang="da-DK"/>
           </a:p>
@@ -1874,7 +1874,7 @@
           <a:p>
             <a:fld id="{0C5E5CFE-7DCC-48C7-B7CB-67CD8A2C1B9A}" type="slidenum">
               <a:rPr lang="da-DK" smtClean="0"/>
-              <a:t>‹nr.›</a:t>
+              <a:t>‹#›</a:t>
             </a:fld>
             <a:endParaRPr lang="da-DK"/>
           </a:p>
@@ -2151,7 +2151,7 @@
           <a:p>
             <a:fld id="{0C5E5CFE-7DCC-48C7-B7CB-67CD8A2C1B9A}" type="slidenum">
               <a:rPr lang="da-DK" smtClean="0"/>
-              <a:t>‹nr.›</a:t>
+              <a:t>‹#›</a:t>
             </a:fld>
             <a:endParaRPr lang="da-DK"/>
           </a:p>
@@ -2404,7 +2404,7 @@
           <a:p>
             <a:fld id="{0C5E5CFE-7DCC-48C7-B7CB-67CD8A2C1B9A}" type="slidenum">
               <a:rPr lang="da-DK" smtClean="0"/>
-              <a:t>‹nr.›</a:t>
+              <a:t>‹#›</a:t>
             </a:fld>
             <a:endParaRPr lang="da-DK"/>
           </a:p>
@@ -2653,7 +2653,7 @@
           <a:p>
             <a:fld id="{0C5E5CFE-7DCC-48C7-B7CB-67CD8A2C1B9A}" type="slidenum">
               <a:rPr lang="da-DK" smtClean="0"/>
-              <a:t>‹nr.›</a:t>
+              <a:t>‹#›</a:t>
             </a:fld>
             <a:endParaRPr lang="da-DK"/>
           </a:p>
@@ -3059,6 +3059,13 @@
   <p:clrMapOvr>
     <a:masterClrMapping/>
   </p:clrMapOvr>
+  <p:timing>
+    <p:tnLst>
+      <p:par>
+        <p:cTn id="1" dur="indefinite" restart="never" nodeType="tmRoot"/>
+      </p:par>
+    </p:tnLst>
+  </p:timing>
 </p:sld>
 </file>
 
@@ -3206,6 +3213,13 @@
   <p:clrMapOvr>
     <a:masterClrMapping/>
   </p:clrMapOvr>
+  <p:timing>
+    <p:tnLst>
+      <p:par>
+        <p:cTn id="1" dur="indefinite" restart="never" nodeType="tmRoot"/>
+      </p:par>
+    </p:tnLst>
+  </p:timing>
 </p:sld>
 </file>
 
@@ -3371,6 +3385,13 @@
   <p:clrMapOvr>
     <a:masterClrMapping/>
   </p:clrMapOvr>
+  <p:timing>
+    <p:tnLst>
+      <p:par>
+        <p:cTn id="1" dur="indefinite" restart="never" nodeType="tmRoot"/>
+      </p:par>
+    </p:tnLst>
+  </p:timing>
 </p:sld>
 </file>
 
@@ -3451,6 +3472,13 @@
   <p:clrMapOvr>
     <a:masterClrMapping/>
   </p:clrMapOvr>
+  <p:timing>
+    <p:tnLst>
+      <p:par>
+        <p:cTn id="1" dur="indefinite" restart="never" nodeType="tmRoot"/>
+      </p:par>
+    </p:tnLst>
+  </p:timing>
 </p:sld>
 </file>
 
@@ -3530,6 +3558,13 @@
   <p:clrMapOvr>
     <a:masterClrMapping/>
   </p:clrMapOvr>
+  <p:timing>
+    <p:tnLst>
+      <p:par>
+        <p:cTn id="1" dur="indefinite" restart="never" nodeType="tmRoot"/>
+      </p:par>
+    </p:tnLst>
+  </p:timing>
 </p:sld>
 </file>
 
@@ -3613,6 +3648,13 @@
   <p:clrMapOvr>
     <a:masterClrMapping/>
   </p:clrMapOvr>
+  <p:timing>
+    <p:tnLst>
+      <p:par>
+        <p:cTn id="1" dur="indefinite" restart="never" nodeType="tmRoot"/>
+      </p:par>
+    </p:tnLst>
+  </p:timing>
 </p:sld>
 </file>
 
@@ -3681,6 +3723,13 @@
   <p:clrMapOvr>
     <a:masterClrMapping/>
   </p:clrMapOvr>
+  <p:timing>
+    <p:tnLst>
+      <p:par>
+        <p:cTn id="1" dur="indefinite" restart="never" nodeType="tmRoot"/>
+      </p:par>
+    </p:tnLst>
+  </p:timing>
 </p:sld>
 </file>
 
@@ -3785,6 +3834,13 @@
   <p:clrMapOvr>
     <a:masterClrMapping/>
   </p:clrMapOvr>
+  <p:timing>
+    <p:tnLst>
+      <p:par>
+        <p:cTn id="1" dur="indefinite" restart="never" nodeType="tmRoot"/>
+      </p:par>
+    </p:tnLst>
+  </p:timing>
 </p:sld>
 </file>
 
@@ -3864,6 +3920,13 @@
   <p:clrMapOvr>
     <a:masterClrMapping/>
   </p:clrMapOvr>
+  <p:timing>
+    <p:tnLst>
+      <p:par>
+        <p:cTn id="1" dur="indefinite" restart="never" nodeType="tmRoot"/>
+      </p:par>
+    </p:tnLst>
+  </p:timing>
 </p:sld>
 </file>
 
@@ -3973,6 +4036,13 @@
   <p:clrMapOvr>
     <a:masterClrMapping/>
   </p:clrMapOvr>
+  <p:timing>
+    <p:tnLst>
+      <p:par>
+        <p:cTn id="1" dur="indefinite" restart="never" nodeType="tmRoot"/>
+      </p:par>
+    </p:tnLst>
+  </p:timing>
 </p:sld>
 </file>
 
@@ -4115,6 +4185,13 @@
   <p:clrMapOvr>
     <a:masterClrMapping/>
   </p:clrMapOvr>
+  <p:timing>
+    <p:tnLst>
+      <p:par>
+        <p:cTn id="1" dur="indefinite" restart="never" nodeType="tmRoot"/>
+      </p:par>
+    </p:tnLst>
+  </p:timing>
 </p:sld>
 </file>
 
@@ -4194,6 +4271,13 @@
   <p:clrMapOvr>
     <a:masterClrMapping/>
   </p:clrMapOvr>
+  <p:timing>
+    <p:tnLst>
+      <p:par>
+        <p:cTn id="1" dur="indefinite" restart="never" nodeType="tmRoot"/>
+      </p:par>
+    </p:tnLst>
+  </p:timing>
 </p:sld>
 </file>
 

--- a/Fremlæggelse/Fremlæggelse - HWdel.pptx
+++ b/Fremlæggelse/Fremlæggelse - HWdel.pptx
@@ -165,10 +165,9 @@
           </a:lstStyle>
           <a:p>
             <a:r>
-              <a:rPr lang="da-DK" smtClean="0"/>
+              <a:rPr lang="da-DK"/>
               <a:t>Klik for at redigere i master</a:t>
             </a:r>
-            <a:endParaRPr lang="da-DK"/>
           </a:p>
         </p:txBody>
       </p:sp>
@@ -230,10 +229,9 @@
           </a:lstStyle>
           <a:p>
             <a:r>
-              <a:rPr lang="da-DK" smtClean="0"/>
+              <a:rPr lang="da-DK"/>
               <a:t>Klik for at redigere undertiteltypografien i masteren</a:t>
             </a:r>
-            <a:endParaRPr lang="da-DK"/>
           </a:p>
         </p:txBody>
       </p:sp>
@@ -254,7 +252,7 @@
           <a:p>
             <a:fld id="{D7B01C04-FD3D-42F8-9A1C-42F8E5C9A481}" type="datetimeFigureOut">
               <a:rPr lang="da-DK" smtClean="0"/>
-              <a:t>20-06-2016</a:t>
+              <a:t>21-06-2016</a:t>
             </a:fld>
             <a:endParaRPr lang="da-DK"/>
           </a:p>
@@ -296,7 +294,7 @@
           <a:p>
             <a:fld id="{0C5E5CFE-7DCC-48C7-B7CB-67CD8A2C1B9A}" type="slidenum">
               <a:rPr lang="da-DK" smtClean="0"/>
-              <a:t>‹#›</a:t>
+              <a:t>‹nr.›</a:t>
             </a:fld>
             <a:endParaRPr lang="da-DK"/>
           </a:p>
@@ -348,10 +346,9 @@
           <a:lstStyle/>
           <a:p>
             <a:r>
-              <a:rPr lang="da-DK" smtClean="0"/>
+              <a:rPr lang="da-DK"/>
               <a:t>Klik for at redigere i master</a:t>
             </a:r>
-            <a:endParaRPr lang="da-DK"/>
           </a:p>
         </p:txBody>
       </p:sp>
@@ -372,38 +369,37 @@
           <a:p>
             <a:pPr lvl="0"/>
             <a:r>
-              <a:rPr lang="da-DK" smtClean="0"/>
+              <a:rPr lang="da-DK"/>
               <a:t>Rediger typografien i masterens</a:t>
             </a:r>
           </a:p>
           <a:p>
             <a:pPr lvl="1"/>
             <a:r>
-              <a:rPr lang="da-DK" smtClean="0"/>
+              <a:rPr lang="da-DK"/>
               <a:t>Andet niveau</a:t>
             </a:r>
           </a:p>
           <a:p>
             <a:pPr lvl="2"/>
             <a:r>
-              <a:rPr lang="da-DK" smtClean="0"/>
+              <a:rPr lang="da-DK"/>
               <a:t>Tredje niveau</a:t>
             </a:r>
           </a:p>
           <a:p>
             <a:pPr lvl="3"/>
             <a:r>
-              <a:rPr lang="da-DK" smtClean="0"/>
+              <a:rPr lang="da-DK"/>
               <a:t>Fjerde niveau</a:t>
             </a:r>
           </a:p>
           <a:p>
             <a:pPr lvl="4"/>
             <a:r>
-              <a:rPr lang="da-DK" smtClean="0"/>
+              <a:rPr lang="da-DK"/>
               <a:t>Femte niveau</a:t>
             </a:r>
-            <a:endParaRPr lang="da-DK"/>
           </a:p>
         </p:txBody>
       </p:sp>
@@ -424,7 +420,7 @@
           <a:p>
             <a:fld id="{D7B01C04-FD3D-42F8-9A1C-42F8E5C9A481}" type="datetimeFigureOut">
               <a:rPr lang="da-DK" smtClean="0"/>
-              <a:t>20-06-2016</a:t>
+              <a:t>21-06-2016</a:t>
             </a:fld>
             <a:endParaRPr lang="da-DK"/>
           </a:p>
@@ -466,7 +462,7 @@
           <a:p>
             <a:fld id="{0C5E5CFE-7DCC-48C7-B7CB-67CD8A2C1B9A}" type="slidenum">
               <a:rPr lang="da-DK" smtClean="0"/>
-              <a:t>‹#›</a:t>
+              <a:t>‹nr.›</a:t>
             </a:fld>
             <a:endParaRPr lang="da-DK"/>
           </a:p>
@@ -523,10 +519,9 @@
           <a:lstStyle/>
           <a:p>
             <a:r>
-              <a:rPr lang="da-DK" smtClean="0"/>
+              <a:rPr lang="da-DK"/>
               <a:t>Klik for at redigere i master</a:t>
             </a:r>
-            <a:endParaRPr lang="da-DK"/>
           </a:p>
         </p:txBody>
       </p:sp>
@@ -552,38 +547,37 @@
           <a:p>
             <a:pPr lvl="0"/>
             <a:r>
-              <a:rPr lang="da-DK" smtClean="0"/>
+              <a:rPr lang="da-DK"/>
               <a:t>Rediger typografien i masterens</a:t>
             </a:r>
           </a:p>
           <a:p>
             <a:pPr lvl="1"/>
             <a:r>
-              <a:rPr lang="da-DK" smtClean="0"/>
+              <a:rPr lang="da-DK"/>
               <a:t>Andet niveau</a:t>
             </a:r>
           </a:p>
           <a:p>
             <a:pPr lvl="2"/>
             <a:r>
-              <a:rPr lang="da-DK" smtClean="0"/>
+              <a:rPr lang="da-DK"/>
               <a:t>Tredje niveau</a:t>
             </a:r>
           </a:p>
           <a:p>
             <a:pPr lvl="3"/>
             <a:r>
-              <a:rPr lang="da-DK" smtClean="0"/>
+              <a:rPr lang="da-DK"/>
               <a:t>Fjerde niveau</a:t>
             </a:r>
           </a:p>
           <a:p>
             <a:pPr lvl="4"/>
             <a:r>
-              <a:rPr lang="da-DK" smtClean="0"/>
+              <a:rPr lang="da-DK"/>
               <a:t>Femte niveau</a:t>
             </a:r>
-            <a:endParaRPr lang="da-DK"/>
           </a:p>
         </p:txBody>
       </p:sp>
@@ -604,7 +598,7 @@
           <a:p>
             <a:fld id="{D7B01C04-FD3D-42F8-9A1C-42F8E5C9A481}" type="datetimeFigureOut">
               <a:rPr lang="da-DK" smtClean="0"/>
-              <a:t>20-06-2016</a:t>
+              <a:t>21-06-2016</a:t>
             </a:fld>
             <a:endParaRPr lang="da-DK"/>
           </a:p>
@@ -646,7 +640,7 @@
           <a:p>
             <a:fld id="{0C5E5CFE-7DCC-48C7-B7CB-67CD8A2C1B9A}" type="slidenum">
               <a:rPr lang="da-DK" smtClean="0"/>
-              <a:t>‹#›</a:t>
+              <a:t>‹nr.›</a:t>
             </a:fld>
             <a:endParaRPr lang="da-DK"/>
           </a:p>
@@ -698,10 +692,9 @@
           <a:lstStyle/>
           <a:p>
             <a:r>
-              <a:rPr lang="da-DK" smtClean="0"/>
+              <a:rPr lang="da-DK"/>
               <a:t>Klik for at redigere i master</a:t>
             </a:r>
-            <a:endParaRPr lang="da-DK"/>
           </a:p>
         </p:txBody>
       </p:sp>
@@ -722,38 +715,37 @@
           <a:p>
             <a:pPr lvl="0"/>
             <a:r>
-              <a:rPr lang="da-DK" smtClean="0"/>
+              <a:rPr lang="da-DK"/>
               <a:t>Rediger typografien i masterens</a:t>
             </a:r>
           </a:p>
           <a:p>
             <a:pPr lvl="1"/>
             <a:r>
-              <a:rPr lang="da-DK" smtClean="0"/>
+              <a:rPr lang="da-DK"/>
               <a:t>Andet niveau</a:t>
             </a:r>
           </a:p>
           <a:p>
             <a:pPr lvl="2"/>
             <a:r>
-              <a:rPr lang="da-DK" smtClean="0"/>
+              <a:rPr lang="da-DK"/>
               <a:t>Tredje niveau</a:t>
             </a:r>
           </a:p>
           <a:p>
             <a:pPr lvl="3"/>
             <a:r>
-              <a:rPr lang="da-DK" smtClean="0"/>
+              <a:rPr lang="da-DK"/>
               <a:t>Fjerde niveau</a:t>
             </a:r>
           </a:p>
           <a:p>
             <a:pPr lvl="4"/>
             <a:r>
-              <a:rPr lang="da-DK" smtClean="0"/>
+              <a:rPr lang="da-DK"/>
               <a:t>Femte niveau</a:t>
             </a:r>
-            <a:endParaRPr lang="da-DK"/>
           </a:p>
         </p:txBody>
       </p:sp>
@@ -774,7 +766,7 @@
           <a:p>
             <a:fld id="{D7B01C04-FD3D-42F8-9A1C-42F8E5C9A481}" type="datetimeFigureOut">
               <a:rPr lang="da-DK" smtClean="0"/>
-              <a:t>20-06-2016</a:t>
+              <a:t>21-06-2016</a:t>
             </a:fld>
             <a:endParaRPr lang="da-DK"/>
           </a:p>
@@ -816,7 +808,7 @@
           <a:p>
             <a:fld id="{0C5E5CFE-7DCC-48C7-B7CB-67CD8A2C1B9A}" type="slidenum">
               <a:rPr lang="da-DK" smtClean="0"/>
-              <a:t>‹#›</a:t>
+              <a:t>‹nr.›</a:t>
             </a:fld>
             <a:endParaRPr lang="da-DK"/>
           </a:p>
@@ -877,10 +869,9 @@
           </a:lstStyle>
           <a:p>
             <a:r>
-              <a:rPr lang="da-DK" smtClean="0"/>
+              <a:rPr lang="da-DK"/>
               <a:t>Klik for at redigere i master</a:t>
             </a:r>
-            <a:endParaRPr lang="da-DK"/>
           </a:p>
         </p:txBody>
       </p:sp>
@@ -997,7 +988,7 @@
           <a:p>
             <a:pPr lvl="0"/>
             <a:r>
-              <a:rPr lang="da-DK" smtClean="0"/>
+              <a:rPr lang="da-DK"/>
               <a:t>Rediger typografien i masterens</a:t>
             </a:r>
           </a:p>
@@ -1020,7 +1011,7 @@
           <a:p>
             <a:fld id="{D7B01C04-FD3D-42F8-9A1C-42F8E5C9A481}" type="datetimeFigureOut">
               <a:rPr lang="da-DK" smtClean="0"/>
-              <a:t>20-06-2016</a:t>
+              <a:t>21-06-2016</a:t>
             </a:fld>
             <a:endParaRPr lang="da-DK"/>
           </a:p>
@@ -1062,7 +1053,7 @@
           <a:p>
             <a:fld id="{0C5E5CFE-7DCC-48C7-B7CB-67CD8A2C1B9A}" type="slidenum">
               <a:rPr lang="da-DK" smtClean="0"/>
-              <a:t>‹#›</a:t>
+              <a:t>‹nr.›</a:t>
             </a:fld>
             <a:endParaRPr lang="da-DK"/>
           </a:p>
@@ -1114,10 +1105,9 @@
           <a:lstStyle/>
           <a:p>
             <a:r>
-              <a:rPr lang="da-DK" smtClean="0"/>
+              <a:rPr lang="da-DK"/>
               <a:t>Klik for at redigere i master</a:t>
             </a:r>
-            <a:endParaRPr lang="da-DK"/>
           </a:p>
         </p:txBody>
       </p:sp>
@@ -1143,38 +1133,37 @@
           <a:p>
             <a:pPr lvl="0"/>
             <a:r>
-              <a:rPr lang="da-DK" smtClean="0"/>
+              <a:rPr lang="da-DK"/>
               <a:t>Rediger typografien i masterens</a:t>
             </a:r>
           </a:p>
           <a:p>
             <a:pPr lvl="1"/>
             <a:r>
-              <a:rPr lang="da-DK" smtClean="0"/>
+              <a:rPr lang="da-DK"/>
               <a:t>Andet niveau</a:t>
             </a:r>
           </a:p>
           <a:p>
             <a:pPr lvl="2"/>
             <a:r>
-              <a:rPr lang="da-DK" smtClean="0"/>
+              <a:rPr lang="da-DK"/>
               <a:t>Tredje niveau</a:t>
             </a:r>
           </a:p>
           <a:p>
             <a:pPr lvl="3"/>
             <a:r>
-              <a:rPr lang="da-DK" smtClean="0"/>
+              <a:rPr lang="da-DK"/>
               <a:t>Fjerde niveau</a:t>
             </a:r>
           </a:p>
           <a:p>
             <a:pPr lvl="4"/>
             <a:r>
-              <a:rPr lang="da-DK" smtClean="0"/>
+              <a:rPr lang="da-DK"/>
               <a:t>Femte niveau</a:t>
             </a:r>
-            <a:endParaRPr lang="da-DK"/>
           </a:p>
         </p:txBody>
       </p:sp>
@@ -1200,38 +1189,37 @@
           <a:p>
             <a:pPr lvl="0"/>
             <a:r>
-              <a:rPr lang="da-DK" smtClean="0"/>
+              <a:rPr lang="da-DK"/>
               <a:t>Rediger typografien i masterens</a:t>
             </a:r>
           </a:p>
           <a:p>
             <a:pPr lvl="1"/>
             <a:r>
-              <a:rPr lang="da-DK" smtClean="0"/>
+              <a:rPr lang="da-DK"/>
               <a:t>Andet niveau</a:t>
             </a:r>
           </a:p>
           <a:p>
             <a:pPr lvl="2"/>
             <a:r>
-              <a:rPr lang="da-DK" smtClean="0"/>
+              <a:rPr lang="da-DK"/>
               <a:t>Tredje niveau</a:t>
             </a:r>
           </a:p>
           <a:p>
             <a:pPr lvl="3"/>
             <a:r>
-              <a:rPr lang="da-DK" smtClean="0"/>
+              <a:rPr lang="da-DK"/>
               <a:t>Fjerde niveau</a:t>
             </a:r>
           </a:p>
           <a:p>
             <a:pPr lvl="4"/>
             <a:r>
-              <a:rPr lang="da-DK" smtClean="0"/>
+              <a:rPr lang="da-DK"/>
               <a:t>Femte niveau</a:t>
             </a:r>
-            <a:endParaRPr lang="da-DK"/>
           </a:p>
         </p:txBody>
       </p:sp>
@@ -1252,7 +1240,7 @@
           <a:p>
             <a:fld id="{D7B01C04-FD3D-42F8-9A1C-42F8E5C9A481}" type="datetimeFigureOut">
               <a:rPr lang="da-DK" smtClean="0"/>
-              <a:t>20-06-2016</a:t>
+              <a:t>21-06-2016</a:t>
             </a:fld>
             <a:endParaRPr lang="da-DK"/>
           </a:p>
@@ -1294,7 +1282,7 @@
           <a:p>
             <a:fld id="{0C5E5CFE-7DCC-48C7-B7CB-67CD8A2C1B9A}" type="slidenum">
               <a:rPr lang="da-DK" smtClean="0"/>
-              <a:t>‹#›</a:t>
+              <a:t>‹nr.›</a:t>
             </a:fld>
             <a:endParaRPr lang="da-DK"/>
           </a:p>
@@ -1351,10 +1339,9 @@
           <a:lstStyle/>
           <a:p>
             <a:r>
-              <a:rPr lang="da-DK" smtClean="0"/>
+              <a:rPr lang="da-DK"/>
               <a:t>Klik for at redigere i master</a:t>
             </a:r>
-            <a:endParaRPr lang="da-DK"/>
           </a:p>
         </p:txBody>
       </p:sp>
@@ -1417,7 +1404,7 @@
           <a:p>
             <a:pPr lvl="0"/>
             <a:r>
-              <a:rPr lang="da-DK" smtClean="0"/>
+              <a:rPr lang="da-DK"/>
               <a:t>Rediger typografien i masterens</a:t>
             </a:r>
           </a:p>
@@ -1445,38 +1432,37 @@
           <a:p>
             <a:pPr lvl="0"/>
             <a:r>
-              <a:rPr lang="da-DK" smtClean="0"/>
+              <a:rPr lang="da-DK"/>
               <a:t>Rediger typografien i masterens</a:t>
             </a:r>
           </a:p>
           <a:p>
             <a:pPr lvl="1"/>
             <a:r>
-              <a:rPr lang="da-DK" smtClean="0"/>
+              <a:rPr lang="da-DK"/>
               <a:t>Andet niveau</a:t>
             </a:r>
           </a:p>
           <a:p>
             <a:pPr lvl="2"/>
             <a:r>
-              <a:rPr lang="da-DK" smtClean="0"/>
+              <a:rPr lang="da-DK"/>
               <a:t>Tredje niveau</a:t>
             </a:r>
           </a:p>
           <a:p>
             <a:pPr lvl="3"/>
             <a:r>
-              <a:rPr lang="da-DK" smtClean="0"/>
+              <a:rPr lang="da-DK"/>
               <a:t>Fjerde niveau</a:t>
             </a:r>
           </a:p>
           <a:p>
             <a:pPr lvl="4"/>
             <a:r>
-              <a:rPr lang="da-DK" smtClean="0"/>
+              <a:rPr lang="da-DK"/>
               <a:t>Femte niveau</a:t>
             </a:r>
-            <a:endParaRPr lang="da-DK"/>
           </a:p>
         </p:txBody>
       </p:sp>
@@ -1539,7 +1525,7 @@
           <a:p>
             <a:pPr lvl="0"/>
             <a:r>
-              <a:rPr lang="da-DK" smtClean="0"/>
+              <a:rPr lang="da-DK"/>
               <a:t>Rediger typografien i masterens</a:t>
             </a:r>
           </a:p>
@@ -1567,38 +1553,37 @@
           <a:p>
             <a:pPr lvl="0"/>
             <a:r>
-              <a:rPr lang="da-DK" smtClean="0"/>
+              <a:rPr lang="da-DK"/>
               <a:t>Rediger typografien i masterens</a:t>
             </a:r>
           </a:p>
           <a:p>
             <a:pPr lvl="1"/>
             <a:r>
-              <a:rPr lang="da-DK" smtClean="0"/>
+              <a:rPr lang="da-DK"/>
               <a:t>Andet niveau</a:t>
             </a:r>
           </a:p>
           <a:p>
             <a:pPr lvl="2"/>
             <a:r>
-              <a:rPr lang="da-DK" smtClean="0"/>
+              <a:rPr lang="da-DK"/>
               <a:t>Tredje niveau</a:t>
             </a:r>
           </a:p>
           <a:p>
             <a:pPr lvl="3"/>
             <a:r>
-              <a:rPr lang="da-DK" smtClean="0"/>
+              <a:rPr lang="da-DK"/>
               <a:t>Fjerde niveau</a:t>
             </a:r>
           </a:p>
           <a:p>
             <a:pPr lvl="4"/>
             <a:r>
-              <a:rPr lang="da-DK" smtClean="0"/>
+              <a:rPr lang="da-DK"/>
               <a:t>Femte niveau</a:t>
             </a:r>
-            <a:endParaRPr lang="da-DK"/>
           </a:p>
         </p:txBody>
       </p:sp>
@@ -1619,7 +1604,7 @@
           <a:p>
             <a:fld id="{D7B01C04-FD3D-42F8-9A1C-42F8E5C9A481}" type="datetimeFigureOut">
               <a:rPr lang="da-DK" smtClean="0"/>
-              <a:t>20-06-2016</a:t>
+              <a:t>21-06-2016</a:t>
             </a:fld>
             <a:endParaRPr lang="da-DK"/>
           </a:p>
@@ -1661,7 +1646,7 @@
           <a:p>
             <a:fld id="{0C5E5CFE-7DCC-48C7-B7CB-67CD8A2C1B9A}" type="slidenum">
               <a:rPr lang="da-DK" smtClean="0"/>
-              <a:t>‹#›</a:t>
+              <a:t>‹nr.›</a:t>
             </a:fld>
             <a:endParaRPr lang="da-DK"/>
           </a:p>
@@ -1713,10 +1698,9 @@
           <a:lstStyle/>
           <a:p>
             <a:r>
-              <a:rPr lang="da-DK" smtClean="0"/>
+              <a:rPr lang="da-DK"/>
               <a:t>Klik for at redigere i master</a:t>
             </a:r>
-            <a:endParaRPr lang="da-DK"/>
           </a:p>
         </p:txBody>
       </p:sp>
@@ -1737,7 +1721,7 @@
           <a:p>
             <a:fld id="{D7B01C04-FD3D-42F8-9A1C-42F8E5C9A481}" type="datetimeFigureOut">
               <a:rPr lang="da-DK" smtClean="0"/>
-              <a:t>20-06-2016</a:t>
+              <a:t>21-06-2016</a:t>
             </a:fld>
             <a:endParaRPr lang="da-DK"/>
           </a:p>
@@ -1779,7 +1763,7 @@
           <a:p>
             <a:fld id="{0C5E5CFE-7DCC-48C7-B7CB-67CD8A2C1B9A}" type="slidenum">
               <a:rPr lang="da-DK" smtClean="0"/>
-              <a:t>‹#›</a:t>
+              <a:t>‹nr.›</a:t>
             </a:fld>
             <a:endParaRPr lang="da-DK"/>
           </a:p>
@@ -1832,7 +1816,7 @@
           <a:p>
             <a:fld id="{D7B01C04-FD3D-42F8-9A1C-42F8E5C9A481}" type="datetimeFigureOut">
               <a:rPr lang="da-DK" smtClean="0"/>
-              <a:t>20-06-2016</a:t>
+              <a:t>21-06-2016</a:t>
             </a:fld>
             <a:endParaRPr lang="da-DK"/>
           </a:p>
@@ -1874,7 +1858,7 @@
           <a:p>
             <a:fld id="{0C5E5CFE-7DCC-48C7-B7CB-67CD8A2C1B9A}" type="slidenum">
               <a:rPr lang="da-DK" smtClean="0"/>
-              <a:t>‹#›</a:t>
+              <a:t>‹nr.›</a:t>
             </a:fld>
             <a:endParaRPr lang="da-DK"/>
           </a:p>
@@ -1935,10 +1919,9 @@
           </a:lstStyle>
           <a:p>
             <a:r>
-              <a:rPr lang="da-DK" smtClean="0"/>
+              <a:rPr lang="da-DK"/>
               <a:t>Klik for at redigere i master</a:t>
             </a:r>
-            <a:endParaRPr lang="da-DK"/>
           </a:p>
         </p:txBody>
       </p:sp>
@@ -1992,38 +1975,37 @@
           <a:p>
             <a:pPr lvl="0"/>
             <a:r>
-              <a:rPr lang="da-DK" smtClean="0"/>
+              <a:rPr lang="da-DK"/>
               <a:t>Rediger typografien i masterens</a:t>
             </a:r>
           </a:p>
           <a:p>
             <a:pPr lvl="1"/>
             <a:r>
-              <a:rPr lang="da-DK" smtClean="0"/>
+              <a:rPr lang="da-DK"/>
               <a:t>Andet niveau</a:t>
             </a:r>
           </a:p>
           <a:p>
             <a:pPr lvl="2"/>
             <a:r>
-              <a:rPr lang="da-DK" smtClean="0"/>
+              <a:rPr lang="da-DK"/>
               <a:t>Tredje niveau</a:t>
             </a:r>
           </a:p>
           <a:p>
             <a:pPr lvl="3"/>
             <a:r>
-              <a:rPr lang="da-DK" smtClean="0"/>
+              <a:rPr lang="da-DK"/>
               <a:t>Fjerde niveau</a:t>
             </a:r>
           </a:p>
           <a:p>
             <a:pPr lvl="4"/>
             <a:r>
-              <a:rPr lang="da-DK" smtClean="0"/>
+              <a:rPr lang="da-DK"/>
               <a:t>Femte niveau</a:t>
             </a:r>
-            <a:endParaRPr lang="da-DK"/>
           </a:p>
         </p:txBody>
       </p:sp>
@@ -2086,7 +2068,7 @@
           <a:p>
             <a:pPr lvl="0"/>
             <a:r>
-              <a:rPr lang="da-DK" smtClean="0"/>
+              <a:rPr lang="da-DK"/>
               <a:t>Rediger typografien i masterens</a:t>
             </a:r>
           </a:p>
@@ -2109,7 +2091,7 @@
           <a:p>
             <a:fld id="{D7B01C04-FD3D-42F8-9A1C-42F8E5C9A481}" type="datetimeFigureOut">
               <a:rPr lang="da-DK" smtClean="0"/>
-              <a:t>20-06-2016</a:t>
+              <a:t>21-06-2016</a:t>
             </a:fld>
             <a:endParaRPr lang="da-DK"/>
           </a:p>
@@ -2151,7 +2133,7 @@
           <a:p>
             <a:fld id="{0C5E5CFE-7DCC-48C7-B7CB-67CD8A2C1B9A}" type="slidenum">
               <a:rPr lang="da-DK" smtClean="0"/>
-              <a:t>‹#›</a:t>
+              <a:t>‹nr.›</a:t>
             </a:fld>
             <a:endParaRPr lang="da-DK"/>
           </a:p>
@@ -2212,10 +2194,9 @@
           </a:lstStyle>
           <a:p>
             <a:r>
-              <a:rPr lang="da-DK" smtClean="0"/>
+              <a:rPr lang="da-DK"/>
               <a:t>Klik for at redigere i master</a:t>
             </a:r>
-            <a:endParaRPr lang="da-DK"/>
           </a:p>
         </p:txBody>
       </p:sp>
@@ -2339,7 +2320,7 @@
           <a:p>
             <a:pPr lvl="0"/>
             <a:r>
-              <a:rPr lang="da-DK" smtClean="0"/>
+              <a:rPr lang="da-DK"/>
               <a:t>Rediger typografien i masterens</a:t>
             </a:r>
           </a:p>
@@ -2362,7 +2343,7 @@
           <a:p>
             <a:fld id="{D7B01C04-FD3D-42F8-9A1C-42F8E5C9A481}" type="datetimeFigureOut">
               <a:rPr lang="da-DK" smtClean="0"/>
-              <a:t>20-06-2016</a:t>
+              <a:t>21-06-2016</a:t>
             </a:fld>
             <a:endParaRPr lang="da-DK"/>
           </a:p>
@@ -2404,7 +2385,7 @@
           <a:p>
             <a:fld id="{0C5E5CFE-7DCC-48C7-B7CB-67CD8A2C1B9A}" type="slidenum">
               <a:rPr lang="da-DK" smtClean="0"/>
-              <a:t>‹#›</a:t>
+              <a:t>‹nr.›</a:t>
             </a:fld>
             <a:endParaRPr lang="da-DK"/>
           </a:p>
@@ -2471,10 +2452,9 @@
           <a:lstStyle/>
           <a:p>
             <a:r>
-              <a:rPr lang="da-DK" smtClean="0"/>
+              <a:rPr lang="da-DK"/>
               <a:t>Klik for at redigere i master</a:t>
             </a:r>
-            <a:endParaRPr lang="da-DK"/>
           </a:p>
         </p:txBody>
       </p:sp>
@@ -2505,38 +2485,37 @@
           <a:p>
             <a:pPr lvl="0"/>
             <a:r>
-              <a:rPr lang="da-DK" smtClean="0"/>
+              <a:rPr lang="da-DK"/>
               <a:t>Rediger typografien i masterens</a:t>
             </a:r>
           </a:p>
           <a:p>
             <a:pPr lvl="1"/>
             <a:r>
-              <a:rPr lang="da-DK" smtClean="0"/>
+              <a:rPr lang="da-DK"/>
               <a:t>Andet niveau</a:t>
             </a:r>
           </a:p>
           <a:p>
             <a:pPr lvl="2"/>
             <a:r>
-              <a:rPr lang="da-DK" smtClean="0"/>
+              <a:rPr lang="da-DK"/>
               <a:t>Tredje niveau</a:t>
             </a:r>
           </a:p>
           <a:p>
             <a:pPr lvl="3"/>
             <a:r>
-              <a:rPr lang="da-DK" smtClean="0"/>
+              <a:rPr lang="da-DK"/>
               <a:t>Fjerde niveau</a:t>
             </a:r>
           </a:p>
           <a:p>
             <a:pPr lvl="4"/>
             <a:r>
-              <a:rPr lang="da-DK" smtClean="0"/>
+              <a:rPr lang="da-DK"/>
               <a:t>Femte niveau</a:t>
             </a:r>
-            <a:endParaRPr lang="da-DK"/>
           </a:p>
         </p:txBody>
       </p:sp>
@@ -2575,7 +2554,7 @@
           <a:p>
             <a:fld id="{D7B01C04-FD3D-42F8-9A1C-42F8E5C9A481}" type="datetimeFigureOut">
               <a:rPr lang="da-DK" smtClean="0"/>
-              <a:t>20-06-2016</a:t>
+              <a:t>21-06-2016</a:t>
             </a:fld>
             <a:endParaRPr lang="da-DK"/>
           </a:p>
@@ -2653,7 +2632,7 @@
           <a:p>
             <a:fld id="{0C5E5CFE-7DCC-48C7-B7CB-67CD8A2C1B9A}" type="slidenum">
               <a:rPr lang="da-DK" smtClean="0"/>
-              <a:t>‹#›</a:t>
+              <a:t>‹nr.›</a:t>
             </a:fld>
             <a:endParaRPr lang="da-DK"/>
           </a:p>
@@ -2996,56 +2975,55 @@
           <a:lstStyle/>
           <a:p>
             <a:r>
-              <a:rPr lang="da-DK" dirty="0" smtClean="0"/>
+              <a:rPr lang="da-DK" dirty="0"/>
               <a:t>HW-arkitektur (</a:t>
             </a:r>
             <a:r>
-              <a:rPr lang="da-DK" dirty="0" err="1" smtClean="0"/>
+              <a:rPr lang="da-DK" dirty="0" err="1"/>
               <a:t>SysML</a:t>
             </a:r>
             <a:r>
-              <a:rPr lang="da-DK" dirty="0" smtClean="0"/>
+              <a:rPr lang="da-DK" dirty="0"/>
               <a:t>)</a:t>
             </a:r>
+          </a:p>
+        </p:txBody>
+      </p:sp>
+      <p:sp>
+        <p:nvSpPr>
+          <p:cNvPr id="8" name="Pladsholder til indhold 7"/>
+          <p:cNvSpPr>
+            <a:spLocks noGrp="1"/>
+          </p:cNvSpPr>
+          <p:nvPr>
+            <p:ph idx="1"/>
+          </p:nvPr>
+        </p:nvSpPr>
+        <p:spPr/>
+        <p:txBody>
+          <a:bodyPr/>
+          <a:lstStyle/>
+          <a:p>
+            <a:r>
+              <a:rPr lang="da-DK" dirty="0"/>
+              <a:t>Block Definition Diagram (BDD)</a:t>
+            </a:r>
+          </a:p>
+          <a:p>
+            <a:r>
+              <a:rPr lang="da-DK" dirty="0" err="1"/>
+              <a:t>Internal</a:t>
+            </a:r>
+            <a:r>
+              <a:rPr lang="da-DK" dirty="0"/>
+              <a:t> Block Diagram (IBD)</a:t>
+            </a:r>
+          </a:p>
+          <a:p>
+            <a:pPr marL="0" indent="0">
+              <a:buNone/>
+            </a:pPr>
             <a:endParaRPr lang="da-DK" dirty="0"/>
-          </a:p>
-        </p:txBody>
-      </p:sp>
-      <p:sp>
-        <p:nvSpPr>
-          <p:cNvPr id="8" name="Pladsholder til indhold 7"/>
-          <p:cNvSpPr>
-            <a:spLocks noGrp="1"/>
-          </p:cNvSpPr>
-          <p:nvPr>
-            <p:ph idx="1"/>
-          </p:nvPr>
-        </p:nvSpPr>
-        <p:spPr/>
-        <p:txBody>
-          <a:bodyPr/>
-          <a:lstStyle/>
-          <a:p>
-            <a:r>
-              <a:rPr lang="da-DK" dirty="0" smtClean="0"/>
-              <a:t>Block Definition Diagram (BDD)</a:t>
-            </a:r>
-          </a:p>
-          <a:p>
-            <a:r>
-              <a:rPr lang="da-DK" dirty="0" err="1" smtClean="0"/>
-              <a:t>Internal</a:t>
-            </a:r>
-            <a:r>
-              <a:rPr lang="da-DK" dirty="0" smtClean="0"/>
-              <a:t> Block Diagram (IBD)</a:t>
-            </a:r>
-          </a:p>
-          <a:p>
-            <a:pPr marL="0" indent="0">
-              <a:buNone/>
-            </a:pPr>
-            <a:endParaRPr lang="da-DK" dirty="0" smtClean="0"/>
           </a:p>
         </p:txBody>
       </p:sp>
@@ -3059,13 +3037,6 @@
   <p:clrMapOvr>
     <a:masterClrMapping/>
   </p:clrMapOvr>
-  <p:timing>
-    <p:tnLst>
-      <p:par>
-        <p:cTn id="1" dur="indefinite" restart="never" nodeType="tmRoot"/>
-      </p:par>
-    </p:tnLst>
-  </p:timing>
 </p:sld>
 </file>
 
@@ -3102,10 +3073,9 @@
           <a:lstStyle/>
           <a:p>
             <a:r>
-              <a:rPr lang="da-DK" dirty="0" smtClean="0"/>
+              <a:rPr lang="da-DK" dirty="0"/>
               <a:t>Modtagerkredsløb</a:t>
             </a:r>
-            <a:endParaRPr lang="da-DK" dirty="0"/>
           </a:p>
         </p:txBody>
       </p:sp>
@@ -3162,14 +3132,14 @@
               <a:buChar char="•"/>
             </a:pPr>
             <a:r>
-              <a:rPr lang="da-DK" sz="2400" dirty="0" smtClean="0"/>
+              <a:rPr lang="da-DK" sz="2400" dirty="0"/>
               <a:t>Aktivt 2. ordens </a:t>
             </a:r>
             <a:r>
-              <a:rPr lang="da-DK" sz="2400" dirty="0" err="1" smtClean="0"/>
+              <a:rPr lang="da-DK" sz="2400" dirty="0" err="1"/>
               <a:t>højpasfilter</a:t>
             </a:r>
-            <a:endParaRPr lang="da-DK" sz="2400" dirty="0" smtClean="0"/>
+            <a:endParaRPr lang="da-DK" sz="2400" dirty="0"/>
           </a:p>
           <a:p>
             <a:pPr marL="285750" indent="-285750">
@@ -3177,18 +3147,18 @@
               <a:buChar char="•"/>
             </a:pPr>
             <a:r>
-              <a:rPr lang="da-DK" sz="2400" dirty="0" err="1" smtClean="0"/>
+              <a:rPr lang="da-DK" sz="2400" dirty="0" err="1"/>
               <a:t>Envelope</a:t>
             </a:r>
             <a:r>
-              <a:rPr lang="da-DK" sz="2400" dirty="0" smtClean="0"/>
+              <a:rPr lang="da-DK" sz="2400" dirty="0"/>
               <a:t> </a:t>
             </a:r>
             <a:r>
-              <a:rPr lang="da-DK" sz="2400" dirty="0" err="1" smtClean="0"/>
+              <a:rPr lang="da-DK" sz="2400" dirty="0" err="1"/>
               <a:t>detector</a:t>
             </a:r>
-            <a:endParaRPr lang="da-DK" sz="2400" dirty="0" smtClean="0"/>
+            <a:endParaRPr lang="da-DK" sz="2400" dirty="0"/>
           </a:p>
           <a:p>
             <a:pPr marL="285750" indent="-285750">
@@ -3196,10 +3166,9 @@
               <a:buChar char="•"/>
             </a:pPr>
             <a:r>
-              <a:rPr lang="da-DK" sz="2400" dirty="0" smtClean="0"/>
+              <a:rPr lang="da-DK" sz="2400" dirty="0"/>
               <a:t>Forstærkningskredsløb</a:t>
             </a:r>
-            <a:endParaRPr lang="da-DK" sz="2400" dirty="0"/>
           </a:p>
         </p:txBody>
       </p:sp>
@@ -3213,13 +3182,6 @@
   <p:clrMapOvr>
     <a:masterClrMapping/>
   </p:clrMapOvr>
-  <p:timing>
-    <p:tnLst>
-      <p:par>
-        <p:cTn id="1" dur="indefinite" restart="never" nodeType="tmRoot"/>
-      </p:par>
-    </p:tnLst>
-  </p:timing>
 </p:sld>
 </file>
 
@@ -3256,10 +3218,9 @@
           <a:lstStyle/>
           <a:p>
             <a:r>
-              <a:rPr lang="da-DK" dirty="0" smtClean="0"/>
+              <a:rPr lang="da-DK" dirty="0"/>
               <a:t>Modtagerkredsløb - fortsat</a:t>
             </a:r>
-            <a:endParaRPr lang="da-DK" dirty="0"/>
           </a:p>
         </p:txBody>
       </p:sp>
@@ -3338,10 +3299,9 @@
           <a:lstStyle/>
           <a:p>
             <a:r>
-              <a:rPr lang="da-DK" dirty="0" smtClean="0"/>
+              <a:rPr lang="da-DK" dirty="0"/>
               <a:t>120 kHz indgangssignal</a:t>
             </a:r>
-            <a:endParaRPr lang="da-DK" dirty="0"/>
           </a:p>
         </p:txBody>
       </p:sp>
@@ -3368,10 +3328,9 @@
           <a:lstStyle/>
           <a:p>
             <a:r>
-              <a:rPr lang="da-DK" dirty="0" smtClean="0"/>
+              <a:rPr lang="da-DK" dirty="0"/>
               <a:t>50 Hz indgangssignal</a:t>
             </a:r>
-            <a:endParaRPr lang="da-DK" dirty="0"/>
           </a:p>
         </p:txBody>
       </p:sp>
@@ -3385,13 +3344,6 @@
   <p:clrMapOvr>
     <a:masterClrMapping/>
   </p:clrMapOvr>
-  <p:timing>
-    <p:tnLst>
-      <p:par>
-        <p:cTn id="1" dur="indefinite" restart="never" nodeType="tmRoot"/>
-      </p:par>
-    </p:tnLst>
-  </p:timing>
 </p:sld>
 </file>
 
@@ -3428,18 +3380,17 @@
           <a:lstStyle/>
           <a:p>
             <a:r>
-              <a:rPr lang="da-DK" dirty="0" smtClean="0"/>
+              <a:rPr lang="da-DK" dirty="0"/>
               <a:t>Evt. noget 2. ordens </a:t>
             </a:r>
             <a:r>
-              <a:rPr lang="da-DK" dirty="0" err="1" smtClean="0"/>
+              <a:rPr lang="da-DK" dirty="0" err="1"/>
               <a:t>højpasfilter</a:t>
             </a:r>
             <a:r>
-              <a:rPr lang="da-DK" dirty="0" smtClean="0"/>
+              <a:rPr lang="da-DK" dirty="0"/>
               <a:t>?</a:t>
             </a:r>
-            <a:endParaRPr lang="da-DK" dirty="0"/>
           </a:p>
         </p:txBody>
       </p:sp>
@@ -3472,13 +3423,6 @@
   <p:clrMapOvr>
     <a:masterClrMapping/>
   </p:clrMapOvr>
-  <p:timing>
-    <p:tnLst>
-      <p:par>
-        <p:cTn id="1" dur="indefinite" restart="never" nodeType="tmRoot"/>
-      </p:par>
-    </p:tnLst>
-  </p:timing>
 </p:sld>
 </file>
 
@@ -3515,10 +3459,9 @@
           <a:lstStyle/>
           <a:p>
             <a:r>
-              <a:rPr lang="da-DK" dirty="0" smtClean="0"/>
+              <a:rPr lang="da-DK" dirty="0"/>
               <a:t>Block Definition Diagram</a:t>
             </a:r>
-            <a:endParaRPr lang="da-DK" dirty="0"/>
           </a:p>
         </p:txBody>
       </p:sp>
@@ -3558,13 +3501,6 @@
   <p:clrMapOvr>
     <a:masterClrMapping/>
   </p:clrMapOvr>
-  <p:timing>
-    <p:tnLst>
-      <p:par>
-        <p:cTn id="1" dur="indefinite" restart="never" nodeType="tmRoot"/>
-      </p:par>
-    </p:tnLst>
-  </p:timing>
 </p:sld>
 </file>
 
@@ -3601,14 +3537,13 @@
           <a:lstStyle/>
           <a:p>
             <a:r>
-              <a:rPr lang="da-DK" dirty="0" err="1" smtClean="0"/>
+              <a:rPr lang="da-DK" dirty="0" err="1"/>
               <a:t>Internal</a:t>
             </a:r>
             <a:r>
-              <a:rPr lang="da-DK" dirty="0" smtClean="0"/>
+              <a:rPr lang="da-DK" dirty="0"/>
               <a:t> Block Diagram</a:t>
             </a:r>
-            <a:endParaRPr lang="da-DK" dirty="0"/>
           </a:p>
         </p:txBody>
       </p:sp>
@@ -3648,13 +3583,6 @@
   <p:clrMapOvr>
     <a:masterClrMapping/>
   </p:clrMapOvr>
-  <p:timing>
-    <p:tnLst>
-      <p:par>
-        <p:cTn id="1" dur="indefinite" restart="never" nodeType="tmRoot"/>
-      </p:par>
-    </p:tnLst>
-  </p:timing>
 </p:sld>
 </file>
 
@@ -3723,13 +3651,6 @@
   <p:clrMapOvr>
     <a:masterClrMapping/>
   </p:clrMapOvr>
-  <p:timing>
-    <p:tnLst>
-      <p:par>
-        <p:cTn id="1" dur="indefinite" restart="never" nodeType="tmRoot"/>
-      </p:par>
-    </p:tnLst>
-  </p:timing>
 </p:sld>
 </file>
 
@@ -3766,7 +3687,7 @@
           <a:lstStyle/>
           <a:p>
             <a:r>
-              <a:rPr lang="da-DK" dirty="0" smtClean="0">
+              <a:rPr lang="da-DK" dirty="0">
                 <a:latin typeface="Book Antiqua" panose="02040602050305030304" pitchFamily="18" charset="0"/>
               </a:rPr>
               <a:t>HW design, implementering og test</a:t>
@@ -3791,36 +3712,35 @@
           <a:lstStyle/>
           <a:p>
             <a:r>
-              <a:rPr lang="da-DK" dirty="0" smtClean="0"/>
+              <a:rPr lang="da-DK" dirty="0"/>
               <a:t>X10.1</a:t>
             </a:r>
           </a:p>
           <a:p>
             <a:pPr lvl="1"/>
             <a:r>
-              <a:rPr lang="da-DK" dirty="0" smtClean="0"/>
+              <a:rPr lang="da-DK" dirty="0"/>
               <a:t>Zero-Cross </a:t>
             </a:r>
             <a:r>
-              <a:rPr lang="da-DK" dirty="0" err="1" smtClean="0"/>
+              <a:rPr lang="da-DK" dirty="0" err="1"/>
               <a:t>Detector</a:t>
             </a:r>
-            <a:endParaRPr lang="da-DK" dirty="0" smtClean="0"/>
+            <a:endParaRPr lang="da-DK" dirty="0"/>
           </a:p>
           <a:p>
             <a:pPr lvl="1"/>
             <a:r>
-              <a:rPr lang="da-DK" dirty="0" smtClean="0"/>
+              <a:rPr lang="da-DK" dirty="0"/>
               <a:t>Senderkredsløb</a:t>
             </a:r>
           </a:p>
           <a:p>
             <a:pPr lvl="1"/>
             <a:r>
-              <a:rPr lang="da-DK" dirty="0" smtClean="0"/>
+              <a:rPr lang="da-DK" dirty="0"/>
               <a:t>Modtagerkredsløb</a:t>
             </a:r>
-            <a:endParaRPr lang="da-DK" dirty="0"/>
           </a:p>
         </p:txBody>
       </p:sp>
@@ -3834,13 +3754,6 @@
   <p:clrMapOvr>
     <a:masterClrMapping/>
   </p:clrMapOvr>
-  <p:timing>
-    <p:tnLst>
-      <p:par>
-        <p:cTn id="1" dur="indefinite" restart="never" nodeType="tmRoot"/>
-      </p:par>
-    </p:tnLst>
-  </p:timing>
 </p:sld>
 </file>
 
@@ -3877,10 +3790,9 @@
           <a:lstStyle/>
           <a:p>
             <a:r>
-              <a:rPr lang="da-DK" dirty="0" smtClean="0"/>
+              <a:rPr lang="da-DK" dirty="0"/>
               <a:t>X10.1 (IBD)</a:t>
             </a:r>
-            <a:endParaRPr lang="da-DK" dirty="0"/>
           </a:p>
         </p:txBody>
       </p:sp>
@@ -3920,13 +3832,6 @@
   <p:clrMapOvr>
     <a:masterClrMapping/>
   </p:clrMapOvr>
-  <p:timing>
-    <p:tnLst>
-      <p:par>
-        <p:cTn id="1" dur="indefinite" restart="never" nodeType="tmRoot"/>
-      </p:par>
-    </p:tnLst>
-  </p:timing>
 </p:sld>
 </file>
 
@@ -3963,11 +3868,11 @@
           <a:lstStyle/>
           <a:p>
             <a:r>
-              <a:rPr lang="da-DK" dirty="0" smtClean="0"/>
+              <a:rPr lang="da-DK" dirty="0"/>
               <a:t>Zero-Cross </a:t>
             </a:r>
             <a:r>
-              <a:rPr lang="da-DK" dirty="0" err="1" smtClean="0"/>
+              <a:rPr lang="da-DK" dirty="0" err="1"/>
               <a:t>Detector</a:t>
             </a:r>
             <a:endParaRPr lang="da-DK" dirty="0"/>
@@ -4036,13 +3941,6 @@
   <p:clrMapOvr>
     <a:masterClrMapping/>
   </p:clrMapOvr>
-  <p:timing>
-    <p:tnLst>
-      <p:par>
-        <p:cTn id="1" dur="indefinite" restart="never" nodeType="tmRoot"/>
-      </p:par>
-    </p:tnLst>
-  </p:timing>
 </p:sld>
 </file>
 
@@ -4079,10 +3977,9 @@
           <a:lstStyle/>
           <a:p>
             <a:r>
-              <a:rPr lang="da-DK" dirty="0" smtClean="0"/>
+              <a:rPr lang="da-DK" dirty="0"/>
               <a:t>Senderkredsløb</a:t>
             </a:r>
-            <a:endParaRPr lang="da-DK" dirty="0"/>
           </a:p>
         </p:txBody>
       </p:sp>
@@ -4121,7 +4018,7 @@
         <p:spPr>
           <a:xfrm>
             <a:off x="838200" y="1690688"/>
-            <a:ext cx="3878113" cy="1200329"/>
+            <a:ext cx="4135363" cy="1200329"/>
           </a:xfrm>
           <a:prstGeom prst="rect">
             <a:avLst/>
@@ -4139,7 +4036,7 @@
               <a:buChar char="•"/>
             </a:pPr>
             <a:r>
-              <a:rPr lang="da-DK" sz="2400" dirty="0" smtClean="0"/>
+              <a:rPr lang="da-DK" sz="2400" dirty="0"/>
               <a:t>Transmitterkredsløb</a:t>
             </a:r>
           </a:p>
@@ -4149,14 +4046,14 @@
               <a:buChar char="•"/>
             </a:pPr>
             <a:r>
-              <a:rPr lang="da-DK" sz="2400" dirty="0" smtClean="0"/>
+              <a:rPr lang="da-DK" sz="2400" dirty="0"/>
               <a:t>1. ordens </a:t>
             </a:r>
             <a:r>
-              <a:rPr lang="da-DK" sz="2400" dirty="0" err="1" smtClean="0"/>
+              <a:rPr lang="da-DK" sz="2400" dirty="0" err="1"/>
               <a:t>højpasfilter</a:t>
             </a:r>
-            <a:endParaRPr lang="da-DK" sz="2400" dirty="0" smtClean="0"/>
+            <a:endParaRPr lang="da-DK" sz="2400" dirty="0"/>
           </a:p>
           <a:p>
             <a:pPr marL="285750" indent="-285750">
@@ -4164,11 +4061,11 @@
               <a:buChar char="•"/>
             </a:pPr>
             <a:r>
-              <a:rPr lang="da-DK" sz="2400" dirty="0" smtClean="0"/>
-              <a:t>120 kHz generet af </a:t>
-            </a:r>
-            <a:r>
-              <a:rPr lang="da-DK" sz="2400" dirty="0" err="1" smtClean="0"/>
+              <a:rPr lang="da-DK" sz="2400" dirty="0"/>
+              <a:t>120 kHz genereret af </a:t>
+            </a:r>
+            <a:r>
+              <a:rPr lang="da-DK" sz="2400" dirty="0" err="1"/>
               <a:t>Arduino</a:t>
             </a:r>
             <a:endParaRPr lang="da-DK" sz="2400" dirty="0"/>
@@ -4185,13 +4082,6 @@
   <p:clrMapOvr>
     <a:masterClrMapping/>
   </p:clrMapOvr>
-  <p:timing>
-    <p:tnLst>
-      <p:par>
-        <p:cTn id="1" dur="indefinite" restart="never" nodeType="tmRoot"/>
-      </p:par>
-    </p:tnLst>
-  </p:timing>
 </p:sld>
 </file>
 
@@ -4228,10 +4118,9 @@
           <a:lstStyle/>
           <a:p>
             <a:r>
-              <a:rPr lang="da-DK" dirty="0" smtClean="0"/>
+              <a:rPr lang="da-DK" dirty="0"/>
               <a:t>Senderkredsløb - fortsat</a:t>
             </a:r>
-            <a:endParaRPr lang="da-DK" dirty="0"/>
           </a:p>
         </p:txBody>
       </p:sp>
@@ -4271,13 +4160,6 @@
   <p:clrMapOvr>
     <a:masterClrMapping/>
   </p:clrMapOvr>
-  <p:timing>
-    <p:tnLst>
-      <p:par>
-        <p:cTn id="1" dur="indefinite" restart="never" nodeType="tmRoot"/>
-      </p:par>
-    </p:tnLst>
-  </p:timing>
 </p:sld>
 </file>
 

--- a/Fremlæggelse/Fremlæggelse - HWdel.pptx
+++ b/Fremlæggelse/Fremlæggelse - HWdel.pptx
@@ -3374,7 +3374,12 @@
             <p:ph type="title"/>
           </p:nvPr>
         </p:nvSpPr>
-        <p:spPr/>
+        <p:spPr>
+          <a:xfrm>
+            <a:off x="838200" y="338620"/>
+            <a:ext cx="10515600" cy="1325563"/>
+          </a:xfrm>
+        </p:spPr>
         <p:txBody>
           <a:bodyPr/>
           <a:lstStyle/>
@@ -3394,22 +3399,95 @@
           </a:p>
         </p:txBody>
       </p:sp>
-      <p:sp>
-        <p:nvSpPr>
-          <p:cNvPr id="6" name="Pladsholder til indhold 5"/>
-          <p:cNvSpPr>
-            <a:spLocks noGrp="1"/>
-          </p:cNvSpPr>
+      <p:pic>
+        <p:nvPicPr>
+          <p:cNvPr id="3" name="Pladsholder til indhold 2"/>
+          <p:cNvPicPr>
+            <a:picLocks noGrp="1" noChangeAspect="1"/>
+          </p:cNvPicPr>
           <p:nvPr>
             <p:ph idx="1"/>
           </p:nvPr>
-        </p:nvSpPr>
-        <p:spPr/>
-        <p:txBody>
-          <a:bodyPr/>
-          <a:lstStyle/>
-          <a:p>
-            <a:endParaRPr lang="da-DK"/>
+        </p:nvPicPr>
+        <p:blipFill>
+          <a:blip r:embed="rId2"/>
+          <a:stretch>
+            <a:fillRect/>
+          </a:stretch>
+        </p:blipFill>
+        <p:spPr>
+          <a:xfrm>
+            <a:off x="2705944" y="3233843"/>
+            <a:ext cx="6780111" cy="3401134"/>
+          </a:xfrm>
+          <a:prstGeom prst="rect">
+            <a:avLst/>
+          </a:prstGeom>
+        </p:spPr>
+      </p:pic>
+      <p:sp>
+        <p:nvSpPr>
+          <p:cNvPr id="4" name="Tekstfelt 3"/>
+          <p:cNvSpPr txBox="1"/>
+          <p:nvPr/>
+        </p:nvSpPr>
+        <p:spPr>
+          <a:xfrm>
+            <a:off x="838200" y="1664183"/>
+            <a:ext cx="4884735" cy="1569660"/>
+          </a:xfrm>
+          <a:prstGeom prst="rect">
+            <a:avLst/>
+          </a:prstGeom>
+          <a:noFill/>
+        </p:spPr>
+        <p:txBody>
+          <a:bodyPr wrap="none" rtlCol="0">
+            <a:spAutoFit/>
+          </a:bodyPr>
+          <a:lstStyle/>
+          <a:p>
+            <a:pPr marL="342900" indent="-342900">
+              <a:buFont typeface="Arial" panose="020B0604020202020204" pitchFamily="34" charset="0"/>
+              <a:buChar char="•"/>
+            </a:pPr>
+            <a:r>
+              <a:rPr lang="da-DK" sz="2400" dirty="0"/>
+              <a:t>Fordel i forhold til 1. ordens </a:t>
+            </a:r>
+            <a:r>
+              <a:rPr lang="da-DK" sz="2400" dirty="0" err="1"/>
+              <a:t>højpas</a:t>
+            </a:r>
+            <a:endParaRPr lang="da-DK" sz="2400" dirty="0"/>
+          </a:p>
+          <a:p>
+            <a:pPr marL="342900" indent="-342900">
+              <a:buFont typeface="Arial" panose="020B0604020202020204" pitchFamily="34" charset="0"/>
+              <a:buChar char="•"/>
+            </a:pPr>
+            <a:r>
+              <a:rPr lang="da-DK" sz="2400" dirty="0"/>
+              <a:t>Aktivt vs. passivt</a:t>
+            </a:r>
+          </a:p>
+          <a:p>
+            <a:pPr marL="342900" indent="-342900">
+              <a:buFont typeface="Arial" panose="020B0604020202020204" pitchFamily="34" charset="0"/>
+              <a:buChar char="•"/>
+            </a:pPr>
+            <a:r>
+              <a:rPr lang="da-DK" sz="2400" dirty="0" err="1"/>
+              <a:t>Bodeplot</a:t>
+            </a:r>
+            <a:endParaRPr lang="da-DK" sz="2400" dirty="0"/>
+          </a:p>
+          <a:p>
+            <a:pPr marL="342900" indent="-342900">
+              <a:buFont typeface="Arial" panose="020B0604020202020204" pitchFamily="34" charset="0"/>
+              <a:buChar char="•"/>
+            </a:pPr>
+            <a:endParaRPr lang="da-DK" sz="2400" dirty="0"/>
           </a:p>
         </p:txBody>
       </p:sp>

--- a/Fremlæggelse/Fremlæggelse - HWdel.pptx
+++ b/Fremlæggelse/Fremlæggelse - HWdel.pptx
@@ -17,6 +17,7 @@
     <p:sldId id="263" r:id="rId11"/>
     <p:sldId id="266" r:id="rId12"/>
     <p:sldId id="268" r:id="rId13"/>
+    <p:sldId id="269" r:id="rId14"/>
   </p:sldIdLst>
   <p:sldSz cx="12192000" cy="6858000"/>
   <p:notesSz cx="6858000" cy="9144000"/>
@@ -3386,7 +3387,7 @@
           <a:p>
             <a:r>
               <a:rPr lang="da-DK" dirty="0"/>
-              <a:t>Evt. noget 2. ordens </a:t>
+              <a:t>2. ordens </a:t>
             </a:r>
             <a:r>
               <a:rPr lang="da-DK" dirty="0" err="1"/>
@@ -3394,37 +3395,11 @@
             </a:r>
             <a:r>
               <a:rPr lang="da-DK" dirty="0"/>
-              <a:t>?</a:t>
-            </a:r>
-          </a:p>
-        </p:txBody>
-      </p:sp>
-      <p:pic>
-        <p:nvPicPr>
-          <p:cNvPr id="3" name="Pladsholder til indhold 2"/>
-          <p:cNvPicPr>
-            <a:picLocks noGrp="1" noChangeAspect="1"/>
-          </p:cNvPicPr>
-          <p:nvPr>
-            <p:ph idx="1"/>
-          </p:nvPr>
-        </p:nvPicPr>
-        <p:blipFill>
-          <a:blip r:embed="rId2"/>
-          <a:stretch>
-            <a:fillRect/>
-          </a:stretch>
-        </p:blipFill>
-        <p:spPr>
-          <a:xfrm>
-            <a:off x="2705944" y="3233843"/>
-            <a:ext cx="6780111" cy="3401134"/>
-          </a:xfrm>
-          <a:prstGeom prst="rect">
-            <a:avLst/>
-          </a:prstGeom>
-        </p:spPr>
-      </p:pic>
+              <a:t> - modtagerkredsløb</a:t>
+            </a:r>
+          </a:p>
+        </p:txBody>
+      </p:sp>
       <p:sp>
         <p:nvSpPr>
           <p:cNvPr id="4" name="Tekstfelt 3"/>
@@ -3491,10 +3466,273 @@
           </a:p>
         </p:txBody>
       </p:sp>
+      <p:pic>
+        <p:nvPicPr>
+          <p:cNvPr id="7" name="Billede 6"/>
+          <p:cNvPicPr>
+            <a:picLocks noChangeAspect="1"/>
+          </p:cNvPicPr>
+          <p:nvPr/>
+        </p:nvPicPr>
+        <p:blipFill>
+          <a:blip r:embed="rId2"/>
+          <a:stretch>
+            <a:fillRect/>
+          </a:stretch>
+        </p:blipFill>
+        <p:spPr>
+          <a:xfrm>
+            <a:off x="828822" y="5486884"/>
+            <a:ext cx="4543425" cy="733425"/>
+          </a:xfrm>
+          <a:prstGeom prst="rect">
+            <a:avLst/>
+          </a:prstGeom>
+        </p:spPr>
+      </p:pic>
+      <p:pic>
+        <p:nvPicPr>
+          <p:cNvPr id="8" name="Billede 7"/>
+          <p:cNvPicPr>
+            <a:picLocks noChangeAspect="1"/>
+          </p:cNvPicPr>
+          <p:nvPr/>
+        </p:nvPicPr>
+        <p:blipFill>
+          <a:blip r:embed="rId3"/>
+          <a:stretch>
+            <a:fillRect/>
+          </a:stretch>
+        </p:blipFill>
+        <p:spPr>
+          <a:xfrm>
+            <a:off x="838200" y="2989746"/>
+            <a:ext cx="7124700" cy="1171575"/>
+          </a:xfrm>
+          <a:prstGeom prst="rect">
+            <a:avLst/>
+          </a:prstGeom>
+        </p:spPr>
+      </p:pic>
+      <p:pic>
+        <p:nvPicPr>
+          <p:cNvPr id="9" name="Billede 8"/>
+          <p:cNvPicPr>
+            <a:picLocks noChangeAspect="1"/>
+          </p:cNvPicPr>
+          <p:nvPr/>
+        </p:nvPicPr>
+        <p:blipFill>
+          <a:blip r:embed="rId4"/>
+          <a:stretch>
+            <a:fillRect/>
+          </a:stretch>
+        </p:blipFill>
+        <p:spPr>
+          <a:xfrm>
+            <a:off x="828822" y="4235555"/>
+            <a:ext cx="6444167" cy="734009"/>
+          </a:xfrm>
+          <a:prstGeom prst="rect">
+            <a:avLst/>
+          </a:prstGeom>
+        </p:spPr>
+      </p:pic>
+      <p:sp>
+        <p:nvSpPr>
+          <p:cNvPr id="10" name="Tekstfelt 9"/>
+          <p:cNvSpPr txBox="1"/>
+          <p:nvPr/>
+        </p:nvSpPr>
+        <p:spPr>
+          <a:xfrm>
+            <a:off x="828822" y="5163033"/>
+            <a:ext cx="2345386" cy="369332"/>
+          </a:xfrm>
+          <a:prstGeom prst="rect">
+            <a:avLst/>
+          </a:prstGeom>
+          <a:noFill/>
+        </p:spPr>
+        <p:txBody>
+          <a:bodyPr wrap="none" rtlCol="0">
+            <a:spAutoFit/>
+          </a:bodyPr>
+          <a:lstStyle/>
+          <a:p>
+            <a:r>
+              <a:rPr lang="da-DK" dirty="0"/>
+              <a:t>Endelig </a:t>
+            </a:r>
+            <a:r>
+              <a:rPr lang="da-DK" dirty="0" err="1"/>
+              <a:t>cutoff</a:t>
+            </a:r>
+            <a:r>
+              <a:rPr lang="da-DK" dirty="0"/>
+              <a:t>-frekvens</a:t>
+            </a:r>
+          </a:p>
+        </p:txBody>
+      </p:sp>
+      <p:sp>
+        <p:nvSpPr>
+          <p:cNvPr id="11" name="Tekstfelt 10"/>
+          <p:cNvSpPr txBox="1"/>
+          <p:nvPr/>
+        </p:nvSpPr>
+        <p:spPr>
+          <a:xfrm>
+            <a:off x="8136835" y="3685971"/>
+            <a:ext cx="1811265" cy="369332"/>
+          </a:xfrm>
+          <a:prstGeom prst="rect">
+            <a:avLst/>
+          </a:prstGeom>
+          <a:noFill/>
+        </p:spPr>
+        <p:txBody>
+          <a:bodyPr wrap="none" rtlCol="0">
+            <a:spAutoFit/>
+          </a:bodyPr>
+          <a:lstStyle/>
+          <a:p>
+            <a:r>
+              <a:rPr lang="da-DK" dirty="0"/>
+              <a:t>R1 valgt 268 ohm</a:t>
+            </a:r>
+          </a:p>
+        </p:txBody>
+      </p:sp>
+      <p:sp>
+        <p:nvSpPr>
+          <p:cNvPr id="12" name="Tekstfelt 11"/>
+          <p:cNvSpPr txBox="1"/>
+          <p:nvPr/>
+        </p:nvSpPr>
+        <p:spPr>
+          <a:xfrm>
+            <a:off x="8136835" y="4417893"/>
+            <a:ext cx="1673663" cy="369332"/>
+          </a:xfrm>
+          <a:prstGeom prst="rect">
+            <a:avLst/>
+          </a:prstGeom>
+          <a:noFill/>
+        </p:spPr>
+        <p:txBody>
+          <a:bodyPr wrap="none" rtlCol="0">
+            <a:spAutoFit/>
+          </a:bodyPr>
+          <a:lstStyle/>
+          <a:p>
+            <a:r>
+              <a:rPr lang="da-DK" dirty="0"/>
+              <a:t>R2 valgt 1 </a:t>
+            </a:r>
+            <a:r>
+              <a:rPr lang="da-DK" dirty="0" err="1"/>
+              <a:t>kohm</a:t>
+            </a:r>
+            <a:endParaRPr lang="da-DK" dirty="0"/>
+          </a:p>
+        </p:txBody>
+      </p:sp>
     </p:spTree>
     <p:extLst>
       <p:ext uri="{BB962C8B-B14F-4D97-AF65-F5344CB8AC3E}">
         <p14:creationId xmlns:p14="http://schemas.microsoft.com/office/powerpoint/2010/main" val="3503656408"/>
+      </p:ext>
+    </p:extLst>
+  </p:cSld>
+  <p:clrMapOvr>
+    <a:masterClrMapping/>
+  </p:clrMapOvr>
+</p:sld>
+</file>
+
+<file path=ppt/slides/slide13.xml><?xml version="1.0" encoding="utf-8"?>
+<p:sld xmlns:a="http://schemas.openxmlformats.org/drawingml/2006/main" xmlns:r="http://schemas.openxmlformats.org/officeDocument/2006/relationships" xmlns:p="http://schemas.openxmlformats.org/presentationml/2006/main">
+  <p:cSld>
+    <p:spTree>
+      <p:nvGrpSpPr>
+        <p:cNvPr id="1" name=""/>
+        <p:cNvGrpSpPr/>
+        <p:nvPr/>
+      </p:nvGrpSpPr>
+      <p:grpSpPr>
+        <a:xfrm>
+          <a:off x="0" y="0"/>
+          <a:ext cx="0" cy="0"/>
+          <a:chOff x="0" y="0"/>
+          <a:chExt cx="0" cy="0"/>
+        </a:xfrm>
+      </p:grpSpPr>
+      <p:sp>
+        <p:nvSpPr>
+          <p:cNvPr id="2" name="Titel 1"/>
+          <p:cNvSpPr>
+            <a:spLocks noGrp="1"/>
+          </p:cNvSpPr>
+          <p:nvPr>
+            <p:ph type="title"/>
+          </p:nvPr>
+        </p:nvSpPr>
+        <p:spPr/>
+        <p:txBody>
+          <a:bodyPr/>
+          <a:lstStyle/>
+          <a:p>
+            <a:r>
+              <a:rPr lang="da-DK" dirty="0"/>
+              <a:t>2. ordens </a:t>
+            </a:r>
+            <a:r>
+              <a:rPr lang="da-DK" dirty="0" err="1"/>
+              <a:t>højpasfilter</a:t>
+            </a:r>
+            <a:r>
+              <a:rPr lang="da-DK" dirty="0"/>
+              <a:t> - </a:t>
+            </a:r>
+            <a:r>
+              <a:rPr lang="da-DK" dirty="0" err="1"/>
+              <a:t>bodeplot</a:t>
+            </a:r>
+            <a:endParaRPr lang="da-DK" dirty="0"/>
+          </a:p>
+        </p:txBody>
+      </p:sp>
+      <p:pic>
+        <p:nvPicPr>
+          <p:cNvPr id="4" name="Pladsholder til indhold 3"/>
+          <p:cNvPicPr>
+            <a:picLocks noGrp="1" noChangeAspect="1"/>
+          </p:cNvPicPr>
+          <p:nvPr>
+            <p:ph idx="1"/>
+          </p:nvPr>
+        </p:nvPicPr>
+        <p:blipFill>
+          <a:blip r:embed="rId2"/>
+          <a:stretch>
+            <a:fillRect/>
+          </a:stretch>
+        </p:blipFill>
+        <p:spPr>
+          <a:xfrm>
+            <a:off x="2658644" y="1690688"/>
+            <a:ext cx="6874712" cy="4867497"/>
+          </a:xfrm>
+          <a:prstGeom prst="rect">
+            <a:avLst/>
+          </a:prstGeom>
+        </p:spPr>
+      </p:pic>
+    </p:spTree>
+    <p:extLst>
+      <p:ext uri="{BB962C8B-B14F-4D97-AF65-F5344CB8AC3E}">
+        <p14:creationId xmlns:p14="http://schemas.microsoft.com/office/powerpoint/2010/main" val="480264657"/>
       </p:ext>
     </p:extLst>
   </p:cSld>
